--- a/RelaxTools.pptx
+++ b/RelaxTools.pptx
@@ -3329,7 +3329,7 @@
                 <a:latin typeface="Meiryo UI" panose="020B0604030504040204" pitchFamily="50" charset="-128"/>
                 <a:ea typeface="Meiryo UI" panose="020B0604030504040204" pitchFamily="50" charset="-128"/>
               </a:rPr>
-              <a:t>2018年3月31日</a:t>
+              <a:t>2018年6月30日</a:t>
             </a:fld>
             <a:endParaRPr lang="ja-JP" altLang="en-US" dirty="0">
               <a:latin typeface="Meiryo UI" panose="020B0604030504040204" pitchFamily="50" charset="-128"/>
@@ -3515,7 +3515,7 @@
             <a:fld id="{427272CD-567B-4C3B-A99B-7BC142A3A774}" type="datetime4">
               <a:rPr lang="ja-JP" altLang="en-US" smtClean="0"/>
               <a:pPr/>
-              <a:t>2018年3月31日</a:t>
+              <a:t>2018年6月30日</a:t>
             </a:fld>
             <a:endParaRPr lang="ja-JP" altLang="en-US" dirty="0"/>
           </a:p>
@@ -6034,7 +6034,7 @@
             <a:pPr rtl="0"/>
             <a:fld id="{6A7F3D8F-2090-41A9-A35A-CE7224832095}" type="datetime4">
               <a:rPr lang="ja-JP" altLang="en-US" noProof="0" smtClean="0"/>
-              <a:t>2018年3月31日</a:t>
+              <a:t>2018年6月30日</a:t>
             </a:fld>
             <a:endParaRPr lang="ja-JP" altLang="en-US" noProof="0" dirty="0"/>
           </a:p>
@@ -6272,7 +6272,7 @@
             <a:pPr rtl="0"/>
             <a:fld id="{F6345DF0-35E3-4B53-8E95-44075BAC5F69}" type="datetime4">
               <a:rPr lang="ja-JP" altLang="en-US" noProof="0" smtClean="0"/>
-              <a:t>2018年3月31日</a:t>
+              <a:t>2018年6月30日</a:t>
             </a:fld>
             <a:endParaRPr lang="ja-JP" altLang="en-US" noProof="0" dirty="0"/>
           </a:p>
@@ -6496,7 +6496,7 @@
             <a:pPr rtl="0"/>
             <a:fld id="{0461D176-4538-44A5-BFE1-DABC9B95901C}" type="datetime4">
               <a:rPr lang="ja-JP" altLang="en-US" noProof="0" smtClean="0"/>
-              <a:t>2018年3月31日</a:t>
+              <a:t>2018年6月30日</a:t>
             </a:fld>
             <a:endParaRPr lang="ja-JP" altLang="en-US" noProof="0" dirty="0"/>
           </a:p>
@@ -6725,7 +6725,7 @@
             <a:pPr rtl="0"/>
             <a:fld id="{91F49387-707E-476E-9E25-BBCEAEFC0DCF}" type="datetime4">
               <a:rPr lang="ja-JP" altLang="en-US" noProof="0" smtClean="0"/>
-              <a:t>2018年3月31日</a:t>
+              <a:t>2018年6月30日</a:t>
             </a:fld>
             <a:endParaRPr lang="ja-JP" altLang="en-US" noProof="0" dirty="0"/>
           </a:p>
@@ -7103,7 +7103,7 @@
             <a:pPr rtl="0"/>
             <a:fld id="{D269406A-8015-4C2E-A47E-8FF26719F116}" type="datetime4">
               <a:rPr lang="ja-JP" altLang="en-US" noProof="0" smtClean="0"/>
-              <a:t>2018年3月31日</a:t>
+              <a:t>2018年6月30日</a:t>
             </a:fld>
             <a:endParaRPr lang="ja-JP" altLang="en-US" noProof="0" dirty="0"/>
           </a:p>
@@ -7629,7 +7629,7 @@
             <a:pPr rtl="0"/>
             <a:fld id="{EDD4C095-B4B6-4A33-9AF4-9930067FD7C6}" type="datetime4">
               <a:rPr lang="ja-JP" altLang="en-US" noProof="0" smtClean="0"/>
-              <a:t>2018年3月31日</a:t>
+              <a:t>2018年6月30日</a:t>
             </a:fld>
             <a:endParaRPr lang="ja-JP" altLang="en-US" noProof="0" dirty="0"/>
           </a:p>
@@ -7769,7 +7769,7 @@
             <a:pPr rtl="0"/>
             <a:fld id="{72C00EC6-E8ED-4290-AD65-9296E83D7E56}" type="datetime4">
               <a:rPr lang="ja-JP" altLang="en-US" noProof="0" smtClean="0"/>
-              <a:t>2018年3月31日</a:t>
+              <a:t>2018年6月30日</a:t>
             </a:fld>
             <a:endParaRPr lang="ja-JP" altLang="en-US" noProof="0" dirty="0"/>
           </a:p>
@@ -7896,7 +7896,7 @@
             <a:pPr rtl="0"/>
             <a:fld id="{D74483E1-09E1-490A-A74F-2FF22233249A}" type="datetime4">
               <a:rPr lang="ja-JP" altLang="en-US" noProof="0" smtClean="0"/>
-              <a:t>2018年3月31日</a:t>
+              <a:t>2018年6月30日</a:t>
             </a:fld>
             <a:endParaRPr lang="ja-JP" altLang="en-US" noProof="0" dirty="0"/>
           </a:p>
@@ -8288,7 +8288,7 @@
             <a:pPr rtl="0"/>
             <a:fld id="{1538EE99-A75D-4C7E-B8ED-BE812FE3D794}" type="datetime4">
               <a:rPr lang="ja-JP" altLang="en-US" noProof="0" smtClean="0"/>
-              <a:t>2018年3月31日</a:t>
+              <a:t>2018年6月30日</a:t>
             </a:fld>
             <a:endParaRPr lang="ja-JP" altLang="en-US" noProof="0" dirty="0"/>
           </a:p>
@@ -8835,7 +8835,7 @@
             <a:fld id="{1488AA31-65DD-4695-B8BD-57B1095E9EE0}" type="datetime4">
               <a:rPr lang="ja-JP" altLang="en-US" smtClean="0"/>
               <a:pPr/>
-              <a:t>2018年3月31日</a:t>
+              <a:t>2018年6月30日</a:t>
             </a:fld>
             <a:endParaRPr lang="ja-JP" altLang="en-US" dirty="0"/>
           </a:p>
@@ -10592,6 +10592,21 @@
               <a:rPr lang="ja-JP" altLang="en-US" dirty="0"/>
               <a:t>保護されたシートや共有ブックでは実行できません（実体がシェイプなので）</a:t>
             </a:r>
+            <a:endParaRPr lang="en-US" altLang="ja-JP" dirty="0"/>
+          </a:p>
+          <a:p>
+            <a:r>
+              <a:rPr lang="ja-JP" altLang="en-US" dirty="0"/>
+              <a:t>　　　→</a:t>
+            </a:r>
+            <a:r>
+              <a:rPr lang="en-US" altLang="ja-JP" dirty="0"/>
+              <a:t>4.19.0</a:t>
+            </a:r>
+            <a:r>
+              <a:rPr lang="ja-JP" altLang="en-US" dirty="0"/>
+              <a:t>以降制限がなくなりました。</a:t>
+            </a:r>
           </a:p>
         </p:txBody>
       </p:sp>
@@ -10940,7 +10955,7 @@
             <a:pPr rtl="0"/>
             <a:r>
               <a:rPr lang="ja-JP" altLang="en-US" dirty="0"/>
-              <a:t>窓の杜での記事で大ブレイク、その年の窓の杜大賞を受賞</a:t>
+              <a:t>誰もが仕事の効率化のために作成しているマクロを集めたようなもの</a:t>
             </a:r>
             <a:endParaRPr lang="en-US" altLang="ja-JP" dirty="0"/>
           </a:p>
@@ -10948,12 +10963,30 @@
             <a:pPr rtl="0"/>
             <a:r>
               <a:rPr lang="ja-JP" altLang="en-US" dirty="0"/>
-              <a:t>方眼紙文化と揶揄されつつも支持層を伸ばしている。</a:t>
+              <a:t>窓の杜での記事でバズ</a:t>
+            </a:r>
+            <a:r>
+              <a:rPr lang="ja-JP" altLang="en-US" dirty="0" err="1"/>
+              <a:t>る</a:t>
+            </a:r>
+            <a:r>
+              <a:rPr lang="ja-JP" altLang="en-US" dirty="0"/>
+              <a:t>。その年の窓の杜大賞を受賞</a:t>
             </a:r>
             <a:endParaRPr lang="en-US" altLang="ja-JP" dirty="0"/>
           </a:p>
           <a:p>
             <a:pPr rtl="0"/>
+            <a:r>
+              <a:rPr lang="ja-JP" altLang="en-US" dirty="0"/>
+              <a:t>方眼紙文化と揶揄されつつも、支持層を伸ばしている。</a:t>
+            </a:r>
+            <a:endParaRPr lang="en-US" altLang="ja-JP" dirty="0"/>
+          </a:p>
+          <a:p>
+            <a:pPr marL="0" indent="0" rtl="0">
+              <a:buNone/>
+            </a:pPr>
             <a:endParaRPr lang="ja-JP" altLang="en-US" dirty="0"/>
           </a:p>
         </p:txBody>
@@ -10980,7 +11013,7 @@
         </p:blipFill>
         <p:spPr>
           <a:xfrm>
-            <a:off x="1878785" y="2993339"/>
+            <a:off x="3397192" y="3428999"/>
             <a:ext cx="4762500" cy="2733675"/>
           </a:xfrm>
           <a:prstGeom prst="rect">
@@ -11321,8 +11354,8 @@
         </p:nvSpPr>
         <p:spPr>
           <a:xfrm>
-            <a:off x="1981200" y="2659309"/>
-            <a:ext cx="8229600" cy="1677800"/>
+            <a:off x="1981200" y="2130804"/>
+            <a:ext cx="8229600" cy="2206305"/>
           </a:xfrm>
           <a:prstGeom prst="rect">
             <a:avLst/>
@@ -11554,6 +11587,24 @@
               <a:buNone/>
             </a:pPr>
             <a:r>
+              <a:rPr lang="ja-JP" altLang="en-US" dirty="0"/>
+              <a:t>第２版：２０１８／０</a:t>
+            </a:r>
+            <a:r>
+              <a:rPr lang="en-US" altLang="ja-JP" dirty="0"/>
+              <a:t>7</a:t>
+            </a:r>
+            <a:r>
+              <a:rPr lang="ja-JP" altLang="en-US" dirty="0"/>
+              <a:t>／０１</a:t>
+            </a:r>
+            <a:endParaRPr lang="en-US" altLang="ja-JP" dirty="0"/>
+          </a:p>
+          <a:p>
+            <a:pPr marL="0" indent="0" algn="ctr">
+              <a:buNone/>
+            </a:pPr>
+            <a:r>
               <a:rPr lang="en-US" altLang="ja-JP" dirty="0"/>
               <a:t>https://software.opensquare.net/relaxtools/</a:t>
             </a:r>
@@ -11721,15 +11772,25 @@
           </a:p>
           <a:p>
             <a:pPr rtl="0"/>
-            <a:endParaRPr lang="en-US" altLang="ja-JP" dirty="0"/>
+            <a:r>
+              <a:rPr lang="ja-JP" altLang="en-US"/>
+              <a:t>アドインのためシートに式やマクロを埋め込まずに目的を達成</a:t>
+            </a:r>
+            <a:endParaRPr lang="en-US" altLang="ja-JP"/>
           </a:p>
           <a:p>
             <a:pPr marL="0" indent="0" rtl="0">
               <a:buNone/>
             </a:pPr>
+            <a:endParaRPr lang="en-US" altLang="ja-JP" dirty="0"/>
+          </a:p>
+          <a:p>
+            <a:pPr marL="0" indent="0" rtl="0">
+              <a:buNone/>
+            </a:pPr>
             <a:r>
               <a:rPr lang="ja-JP" altLang="en-US" dirty="0"/>
-              <a:t>→とりあえず入れとけ</a:t>
+              <a:t>→エクセルシートのチェック及び加工に向く。</a:t>
             </a:r>
             <a:endParaRPr lang="en-US" altLang="ja-JP" dirty="0"/>
           </a:p>
@@ -14542,15 +14603,6 @@
 </file>
 
 <file path=customXml/item1.xml><?xml version="1.0" encoding="utf-8"?>
-<?mso-contentType ?>
-<FormTemplates xmlns="http://schemas.microsoft.com/sharepoint/v3/contenttype/forms">
-  <Display>DocumentLibraryForm</Display>
-  <Edit>DocumentLibraryForm</Edit>
-  <New>DocumentLibraryForm</New>
-</FormTemplates>
-</file>
-
-<file path=customXml/item2.xml><?xml version="1.0" encoding="utf-8"?>
 <ct:contentTypeSchema xmlns:ct="http://schemas.microsoft.com/office/2006/metadata/contentType" xmlns:ma="http://schemas.microsoft.com/office/2006/metadata/properties/metaAttributes" ct:_="" ma:_="" ma:contentTypeName="Document" ma:contentTypeID="0x010100AA3F7D94069FF64A86F7DFF56D60E3BE" ma:contentTypeVersion="6" ma:contentTypeDescription="Create a new document." ma:contentTypeScope="" ma:versionID="c32302c77d4085ecf495bdddb7f5e889">
   <xsd:schema xmlns:xsd="http://www.w3.org/2001/XMLSchema" xmlns:xs="http://www.w3.org/2001/XMLSchema" xmlns:p="http://schemas.microsoft.com/office/2006/metadata/properties" xmlns:ns2="a4f35948-e619-41b3-aa29-22878b09cfd2" xmlns:ns3="40262f94-9f35-4ac3-9a90-690165a166b7" targetNamespace="http://schemas.microsoft.com/office/2006/metadata/properties" ma:root="true" ma:fieldsID="4ab5ae46be95f9d0be6107e8200be7a2" ns2:_="" ns3:_="">
     <xsd:import namespace="a4f35948-e619-41b3-aa29-22878b09cfd2"/>
@@ -14731,6 +14783,15 @@
 </ct:contentTypeSchema>
 </file>
 
+<file path=customXml/item2.xml><?xml version="1.0" encoding="utf-8"?>
+<?mso-contentType ?>
+<FormTemplates xmlns="http://schemas.microsoft.com/sharepoint/v3/contenttype/forms">
+  <Display>DocumentLibraryForm</Display>
+  <Edit>DocumentLibraryForm</Edit>
+  <New>DocumentLibraryForm</New>
+</FormTemplates>
+</file>
+
 <file path=customXml/item3.xml><?xml version="1.0" encoding="utf-8"?>
 <p:properties xmlns:p="http://schemas.microsoft.com/office/2006/metadata/properties" xmlns:xsi="http://www.w3.org/2001/XMLSchema-instance" xmlns:pc="http://schemas.microsoft.com/office/infopath/2007/PartnerControls">
   <documentManagement>
@@ -14743,14 +14804,6 @@
 </file>
 
 <file path=customXml/itemProps1.xml><?xml version="1.0" encoding="utf-8"?>
-<ds:datastoreItem xmlns:ds="http://schemas.openxmlformats.org/officeDocument/2006/customXml" ds:itemID="{31C05A15-2C36-4B2C-9ED7-7313D59409A3}">
-  <ds:schemaRefs>
-    <ds:schemaRef ds:uri="http://schemas.microsoft.com/sharepoint/v3/contenttype/forms"/>
-  </ds:schemaRefs>
-</ds:datastoreItem>
-</file>
-
-<file path=customXml/itemProps2.xml><?xml version="1.0" encoding="utf-8"?>
 <ds:datastoreItem xmlns:ds="http://schemas.openxmlformats.org/officeDocument/2006/customXml" ds:itemID="{2961EA76-1630-4788-A629-8FDAFC920575}">
   <ds:schemaRefs>
     <ds:schemaRef ds:uri="http://schemas.microsoft.com/office/2006/metadata/contentType"/>
@@ -14769,19 +14822,27 @@
 </ds:datastoreItem>
 </file>
 
+<file path=customXml/itemProps2.xml><?xml version="1.0" encoding="utf-8"?>
+<ds:datastoreItem xmlns:ds="http://schemas.openxmlformats.org/officeDocument/2006/customXml" ds:itemID="{31C05A15-2C36-4B2C-9ED7-7313D59409A3}">
+  <ds:schemaRefs>
+    <ds:schemaRef ds:uri="http://schemas.microsoft.com/sharepoint/v3/contenttype/forms"/>
+  </ds:schemaRefs>
+</ds:datastoreItem>
+</file>
+
 <file path=customXml/itemProps3.xml><?xml version="1.0" encoding="utf-8"?>
 <ds:datastoreItem xmlns:ds="http://schemas.openxmlformats.org/officeDocument/2006/customXml" ds:itemID="{85A16170-AED4-43FB-90C7-1F1653EBFACC}">
   <ds:schemaRefs>
+    <ds:schemaRef ds:uri="http://schemas.openxmlformats.org/package/2006/metadata/core-properties"/>
+    <ds:schemaRef ds:uri="http://schemas.microsoft.com/office/infopath/2007/PartnerControls"/>
+    <ds:schemaRef ds:uri="http://www.w3.org/XML/1998/namespace"/>
+    <ds:schemaRef ds:uri="http://purl.org/dc/dcmitype/"/>
+    <ds:schemaRef ds:uri="http://schemas.microsoft.com/office/2006/documentManagement/types"/>
+    <ds:schemaRef ds:uri="40262f94-9f35-4ac3-9a90-690165a166b7"/>
+    <ds:schemaRef ds:uri="a4f35948-e619-41b3-aa29-22878b09cfd2"/>
     <ds:schemaRef ds:uri="http://schemas.microsoft.com/office/2006/metadata/properties"/>
+    <ds:schemaRef ds:uri="http://purl.org/dc/terms/"/>
     <ds:schemaRef ds:uri="http://purl.org/dc/elements/1.1/"/>
-    <ds:schemaRef ds:uri="http://schemas.openxmlformats.org/package/2006/metadata/core-properties"/>
-    <ds:schemaRef ds:uri="http://purl.org/dc/terms/"/>
-    <ds:schemaRef ds:uri="a4f35948-e619-41b3-aa29-22878b09cfd2"/>
-    <ds:schemaRef ds:uri="http://www.w3.org/XML/1998/namespace"/>
-    <ds:schemaRef ds:uri="http://schemas.microsoft.com/office/2006/documentManagement/types"/>
-    <ds:schemaRef ds:uri="http://schemas.microsoft.com/office/infopath/2007/PartnerControls"/>
-    <ds:schemaRef ds:uri="40262f94-9f35-4ac3-9a90-690165a166b7"/>
-    <ds:schemaRef ds:uri="http://purl.org/dc/dcmitype/"/>
   </ds:schemaRefs>
 </ds:datastoreItem>
 </file>
--- a/RelaxTools.pptx
+++ b/RelaxTools.pptx
@@ -3329,7 +3329,7 @@
                 <a:latin typeface="Meiryo UI" panose="020B0604030504040204" pitchFamily="50" charset="-128"/>
                 <a:ea typeface="Meiryo UI" panose="020B0604030504040204" pitchFamily="50" charset="-128"/>
               </a:rPr>
-              <a:t>2018年6月30日</a:t>
+              <a:t>2018年9月24日</a:t>
             </a:fld>
             <a:endParaRPr lang="ja-JP" altLang="en-US" dirty="0">
               <a:latin typeface="Meiryo UI" panose="020B0604030504040204" pitchFamily="50" charset="-128"/>
@@ -3515,7 +3515,7 @@
             <a:fld id="{427272CD-567B-4C3B-A99B-7BC142A3A774}" type="datetime4">
               <a:rPr lang="ja-JP" altLang="en-US" smtClean="0"/>
               <a:pPr/>
-              <a:t>2018年6月30日</a:t>
+              <a:t>2018年9月24日</a:t>
             </a:fld>
             <a:endParaRPr lang="ja-JP" altLang="en-US" dirty="0"/>
           </a:p>
@@ -6034,7 +6034,7 @@
             <a:pPr rtl="0"/>
             <a:fld id="{6A7F3D8F-2090-41A9-A35A-CE7224832095}" type="datetime4">
               <a:rPr lang="ja-JP" altLang="en-US" noProof="0" smtClean="0"/>
-              <a:t>2018年6月30日</a:t>
+              <a:t>2018年9月24日</a:t>
             </a:fld>
             <a:endParaRPr lang="ja-JP" altLang="en-US" noProof="0" dirty="0"/>
           </a:p>
@@ -6272,7 +6272,7 @@
             <a:pPr rtl="0"/>
             <a:fld id="{F6345DF0-35E3-4B53-8E95-44075BAC5F69}" type="datetime4">
               <a:rPr lang="ja-JP" altLang="en-US" noProof="0" smtClean="0"/>
-              <a:t>2018年6月30日</a:t>
+              <a:t>2018年9月24日</a:t>
             </a:fld>
             <a:endParaRPr lang="ja-JP" altLang="en-US" noProof="0" dirty="0"/>
           </a:p>
@@ -6496,7 +6496,7 @@
             <a:pPr rtl="0"/>
             <a:fld id="{0461D176-4538-44A5-BFE1-DABC9B95901C}" type="datetime4">
               <a:rPr lang="ja-JP" altLang="en-US" noProof="0" smtClean="0"/>
-              <a:t>2018年6月30日</a:t>
+              <a:t>2018年9月24日</a:t>
             </a:fld>
             <a:endParaRPr lang="ja-JP" altLang="en-US" noProof="0" dirty="0"/>
           </a:p>
@@ -6725,7 +6725,7 @@
             <a:pPr rtl="0"/>
             <a:fld id="{91F49387-707E-476E-9E25-BBCEAEFC0DCF}" type="datetime4">
               <a:rPr lang="ja-JP" altLang="en-US" noProof="0" smtClean="0"/>
-              <a:t>2018年6月30日</a:t>
+              <a:t>2018年9月24日</a:t>
             </a:fld>
             <a:endParaRPr lang="ja-JP" altLang="en-US" noProof="0" dirty="0"/>
           </a:p>
@@ -7103,7 +7103,7 @@
             <a:pPr rtl="0"/>
             <a:fld id="{D269406A-8015-4C2E-A47E-8FF26719F116}" type="datetime4">
               <a:rPr lang="ja-JP" altLang="en-US" noProof="0" smtClean="0"/>
-              <a:t>2018年6月30日</a:t>
+              <a:t>2018年9月24日</a:t>
             </a:fld>
             <a:endParaRPr lang="ja-JP" altLang="en-US" noProof="0" dirty="0"/>
           </a:p>
@@ -7629,7 +7629,7 @@
             <a:pPr rtl="0"/>
             <a:fld id="{EDD4C095-B4B6-4A33-9AF4-9930067FD7C6}" type="datetime4">
               <a:rPr lang="ja-JP" altLang="en-US" noProof="0" smtClean="0"/>
-              <a:t>2018年6月30日</a:t>
+              <a:t>2018年9月24日</a:t>
             </a:fld>
             <a:endParaRPr lang="ja-JP" altLang="en-US" noProof="0" dirty="0"/>
           </a:p>
@@ -7769,7 +7769,7 @@
             <a:pPr rtl="0"/>
             <a:fld id="{72C00EC6-E8ED-4290-AD65-9296E83D7E56}" type="datetime4">
               <a:rPr lang="ja-JP" altLang="en-US" noProof="0" smtClean="0"/>
-              <a:t>2018年6月30日</a:t>
+              <a:t>2018年9月24日</a:t>
             </a:fld>
             <a:endParaRPr lang="ja-JP" altLang="en-US" noProof="0" dirty="0"/>
           </a:p>
@@ -7896,7 +7896,7 @@
             <a:pPr rtl="0"/>
             <a:fld id="{D74483E1-09E1-490A-A74F-2FF22233249A}" type="datetime4">
               <a:rPr lang="ja-JP" altLang="en-US" noProof="0" smtClean="0"/>
-              <a:t>2018年6月30日</a:t>
+              <a:t>2018年9月24日</a:t>
             </a:fld>
             <a:endParaRPr lang="ja-JP" altLang="en-US" noProof="0" dirty="0"/>
           </a:p>
@@ -8288,7 +8288,7 @@
             <a:pPr rtl="0"/>
             <a:fld id="{1538EE99-A75D-4C7E-B8ED-BE812FE3D794}" type="datetime4">
               <a:rPr lang="ja-JP" altLang="en-US" noProof="0" smtClean="0"/>
-              <a:t>2018年6月30日</a:t>
+              <a:t>2018年9月24日</a:t>
             </a:fld>
             <a:endParaRPr lang="ja-JP" altLang="en-US" noProof="0" dirty="0"/>
           </a:p>
@@ -8835,7 +8835,7 @@
             <a:fld id="{1488AA31-65DD-4695-B8BD-57B1095E9EE0}" type="datetime4">
               <a:rPr lang="ja-JP" altLang="en-US" smtClean="0"/>
               <a:pPr/>
-              <a:t>2018年6月30日</a:t>
+              <a:t>2018年9月24日</a:t>
             </a:fld>
             <a:endParaRPr lang="ja-JP" altLang="en-US" dirty="0"/>
           </a:p>
@@ -10699,8 +10699,8 @@
           <a:p>
             <a:pPr rtl="0"/>
             <a:r>
-              <a:rPr lang="en-US" altLang="ja-JP" dirty="0" err="1"/>
-              <a:t>Totoise</a:t>
+              <a:rPr lang="en-US" altLang="ja-JP" dirty="0"/>
+              <a:t>Tortoise</a:t>
             </a:r>
             <a:r>
               <a:rPr lang="ja-JP" altLang="en-US" dirty="0"/>
@@ -10737,12 +10737,8 @@
               <a:buChar char="•"/>
             </a:pPr>
             <a:r>
-              <a:rPr lang="en-US" altLang="ja-JP" dirty="0" err="1"/>
-              <a:t>Totoise</a:t>
-            </a:r>
-            <a:r>
               <a:rPr lang="en-US" altLang="ja-JP" dirty="0"/>
-              <a:t> SVN, Git, HG </a:t>
+              <a:t>Tortoise SVN, Git, HG </a:t>
             </a:r>
             <a:r>
               <a:rPr lang="ja-JP" altLang="en-US" dirty="0"/>
@@ -14603,6 +14599,15 @@
 </file>
 
 <file path=customXml/item1.xml><?xml version="1.0" encoding="utf-8"?>
+<?mso-contentType ?>
+<FormTemplates xmlns="http://schemas.microsoft.com/sharepoint/v3/contenttype/forms">
+  <Display>DocumentLibraryForm</Display>
+  <Edit>DocumentLibraryForm</Edit>
+  <New>DocumentLibraryForm</New>
+</FormTemplates>
+</file>
+
+<file path=customXml/item2.xml><?xml version="1.0" encoding="utf-8"?>
 <ct:contentTypeSchema xmlns:ct="http://schemas.microsoft.com/office/2006/metadata/contentType" xmlns:ma="http://schemas.microsoft.com/office/2006/metadata/properties/metaAttributes" ct:_="" ma:_="" ma:contentTypeName="Document" ma:contentTypeID="0x010100AA3F7D94069FF64A86F7DFF56D60E3BE" ma:contentTypeVersion="6" ma:contentTypeDescription="Create a new document." ma:contentTypeScope="" ma:versionID="c32302c77d4085ecf495bdddb7f5e889">
   <xsd:schema xmlns:xsd="http://www.w3.org/2001/XMLSchema" xmlns:xs="http://www.w3.org/2001/XMLSchema" xmlns:p="http://schemas.microsoft.com/office/2006/metadata/properties" xmlns:ns2="a4f35948-e619-41b3-aa29-22878b09cfd2" xmlns:ns3="40262f94-9f35-4ac3-9a90-690165a166b7" targetNamespace="http://schemas.microsoft.com/office/2006/metadata/properties" ma:root="true" ma:fieldsID="4ab5ae46be95f9d0be6107e8200be7a2" ns2:_="" ns3:_="">
     <xsd:import namespace="a4f35948-e619-41b3-aa29-22878b09cfd2"/>
@@ -14783,15 +14788,6 @@
 </ct:contentTypeSchema>
 </file>
 
-<file path=customXml/item2.xml><?xml version="1.0" encoding="utf-8"?>
-<?mso-contentType ?>
-<FormTemplates xmlns="http://schemas.microsoft.com/sharepoint/v3/contenttype/forms">
-  <Display>DocumentLibraryForm</Display>
-  <Edit>DocumentLibraryForm</Edit>
-  <New>DocumentLibraryForm</New>
-</FormTemplates>
-</file>
-
 <file path=customXml/item3.xml><?xml version="1.0" encoding="utf-8"?>
 <p:properties xmlns:p="http://schemas.microsoft.com/office/2006/metadata/properties" xmlns:xsi="http://www.w3.org/2001/XMLSchema-instance" xmlns:pc="http://schemas.microsoft.com/office/infopath/2007/PartnerControls">
   <documentManagement>
@@ -14804,6 +14800,14 @@
 </file>
 
 <file path=customXml/itemProps1.xml><?xml version="1.0" encoding="utf-8"?>
+<ds:datastoreItem xmlns:ds="http://schemas.openxmlformats.org/officeDocument/2006/customXml" ds:itemID="{31C05A15-2C36-4B2C-9ED7-7313D59409A3}">
+  <ds:schemaRefs>
+    <ds:schemaRef ds:uri="http://schemas.microsoft.com/sharepoint/v3/contenttype/forms"/>
+  </ds:schemaRefs>
+</ds:datastoreItem>
+</file>
+
+<file path=customXml/itemProps2.xml><?xml version="1.0" encoding="utf-8"?>
 <ds:datastoreItem xmlns:ds="http://schemas.openxmlformats.org/officeDocument/2006/customXml" ds:itemID="{2961EA76-1630-4788-A629-8FDAFC920575}">
   <ds:schemaRefs>
     <ds:schemaRef ds:uri="http://schemas.microsoft.com/office/2006/metadata/contentType"/>
@@ -14822,27 +14826,19 @@
 </ds:datastoreItem>
 </file>
 
-<file path=customXml/itemProps2.xml><?xml version="1.0" encoding="utf-8"?>
-<ds:datastoreItem xmlns:ds="http://schemas.openxmlformats.org/officeDocument/2006/customXml" ds:itemID="{31C05A15-2C36-4B2C-9ED7-7313D59409A3}">
-  <ds:schemaRefs>
-    <ds:schemaRef ds:uri="http://schemas.microsoft.com/sharepoint/v3/contenttype/forms"/>
-  </ds:schemaRefs>
-</ds:datastoreItem>
-</file>
-
 <file path=customXml/itemProps3.xml><?xml version="1.0" encoding="utf-8"?>
 <ds:datastoreItem xmlns:ds="http://schemas.openxmlformats.org/officeDocument/2006/customXml" ds:itemID="{85A16170-AED4-43FB-90C7-1F1653EBFACC}">
   <ds:schemaRefs>
-    <ds:schemaRef ds:uri="http://schemas.openxmlformats.org/package/2006/metadata/core-properties"/>
-    <ds:schemaRef ds:uri="http://schemas.microsoft.com/office/infopath/2007/PartnerControls"/>
+    <ds:schemaRef ds:uri="http://purl.org/dc/elements/1.1/"/>
+    <ds:schemaRef ds:uri="http://purl.org/dc/terms/"/>
+    <ds:schemaRef ds:uri="http://schemas.microsoft.com/office/2006/documentManagement/types"/>
     <ds:schemaRef ds:uri="http://www.w3.org/XML/1998/namespace"/>
     <ds:schemaRef ds:uri="http://purl.org/dc/dcmitype/"/>
-    <ds:schemaRef ds:uri="http://schemas.microsoft.com/office/2006/documentManagement/types"/>
+    <ds:schemaRef ds:uri="http://schemas.microsoft.com/office/infopath/2007/PartnerControls"/>
+    <ds:schemaRef ds:uri="http://schemas.openxmlformats.org/package/2006/metadata/core-properties"/>
     <ds:schemaRef ds:uri="40262f94-9f35-4ac3-9a90-690165a166b7"/>
     <ds:schemaRef ds:uri="a4f35948-e619-41b3-aa29-22878b09cfd2"/>
     <ds:schemaRef ds:uri="http://schemas.microsoft.com/office/2006/metadata/properties"/>
-    <ds:schemaRef ds:uri="http://purl.org/dc/terms/"/>
-    <ds:schemaRef ds:uri="http://purl.org/dc/elements/1.1/"/>
   </ds:schemaRefs>
 </ds:datastoreItem>
 </file>